--- a/COMP1631/Lecture_15_presentation.pptx
+++ b/COMP1631/Lecture_15_presentation.pptx
@@ -7334,6 +7334,9 @@
             </a:r>
             <a:r>
               <a:rPr lang="en-US" sz="2000" dirty="0">
+                <a:solidFill>
+                  <a:schemeClr val="bg1"/>
+                </a:solidFill>
                 <a:highlight>
                   <a:srgbClr val="000000"/>
                 </a:highlight>
